--- a/05 - Performance and Evaluation Pt 1/Model Selection and Validation - Part I.pptx
+++ b/05 - Performance and Evaluation Pt 1/Model Selection and Validation - Part I.pptx
@@ -5,7 +5,7 @@
     <p:sldMasterId id="2147483648" r:id="rId1"/>
   </p:sldMasterIdLst>
   <p:notesMasterIdLst>
-    <p:notesMasterId r:id="rId28"/>
+    <p:notesMasterId r:id="rId29"/>
   </p:notesMasterIdLst>
   <p:sldIdLst>
     <p:sldId id="256" r:id="rId2"/>
@@ -21,19 +21,20 @@
     <p:sldId id="453" r:id="rId12"/>
     <p:sldId id="352" r:id="rId13"/>
     <p:sldId id="458" r:id="rId14"/>
-    <p:sldId id="457" r:id="rId15"/>
-    <p:sldId id="428" r:id="rId16"/>
-    <p:sldId id="429" r:id="rId17"/>
-    <p:sldId id="430" r:id="rId18"/>
-    <p:sldId id="455" r:id="rId19"/>
-    <p:sldId id="460" r:id="rId20"/>
-    <p:sldId id="420" r:id="rId21"/>
-    <p:sldId id="479" r:id="rId22"/>
-    <p:sldId id="481" r:id="rId23"/>
-    <p:sldId id="480" r:id="rId24"/>
-    <p:sldId id="482" r:id="rId25"/>
-    <p:sldId id="483" r:id="rId26"/>
-    <p:sldId id="477" r:id="rId27"/>
+    <p:sldId id="484" r:id="rId15"/>
+    <p:sldId id="457" r:id="rId16"/>
+    <p:sldId id="428" r:id="rId17"/>
+    <p:sldId id="455" r:id="rId18"/>
+    <p:sldId id="429" r:id="rId19"/>
+    <p:sldId id="430" r:id="rId20"/>
+    <p:sldId id="460" r:id="rId21"/>
+    <p:sldId id="420" r:id="rId22"/>
+    <p:sldId id="479" r:id="rId23"/>
+    <p:sldId id="481" r:id="rId24"/>
+    <p:sldId id="480" r:id="rId25"/>
+    <p:sldId id="482" r:id="rId26"/>
+    <p:sldId id="483" r:id="rId27"/>
+    <p:sldId id="477" r:id="rId28"/>
   </p:sldIdLst>
   <p:sldSz cx="12192000" cy="6858000"/>
   <p:notesSz cx="6858000" cy="9144000"/>
@@ -271,7 +272,7 @@
       <p15:sldGuideLst xmlns:p15="http://schemas.microsoft.com/office/powerpoint/2012/main"/>
     </p:ext>
     <p:ext uri="http://customooxmlschemas.google.com/">
-      <go:slidesCustomData xmlns="" xmlns:mc="http://schemas.openxmlformats.org/markup-compatibility/2006" xmlns:mv="urn:schemas-microsoft-com:mac:vml" xmlns:c="http://schemas.openxmlformats.org/drawingml/2006/chart" xmlns:dgm="http://schemas.openxmlformats.org/drawingml/2006/diagram" xmlns:o="urn:schemas-microsoft-com:office:office" xmlns:v="urn:schemas-microsoft-com:vml" xmlns:pvml="urn:schemas-microsoft-com:office:powerpoint" xmlns:com="http://schemas.openxmlformats.org/drawingml/2006/compatibility" xmlns:p14="http://schemas.microsoft.com/office/powerpoint/2010/main" xmlns:p15="http://schemas.microsoft.com/office/powerpoint/2012/main" xmlns:go="http://customooxmlschemas.google.com/" r:id="rId40" roundtripDataSignature="AMtx7mjFyVUGRZWio+dc9dxzYsimUxNJbg=="/>
+      <go:slidesCustomData xmlns:go="http://customooxmlschemas.google.com/" xmlns:p15="http://schemas.microsoft.com/office/powerpoint/2012/main" xmlns:p14="http://schemas.microsoft.com/office/powerpoint/2010/main" xmlns:com="http://schemas.openxmlformats.org/drawingml/2006/compatibility" xmlns:pvml="urn:schemas-microsoft-com:office:powerpoint" xmlns:v="urn:schemas-microsoft-com:vml" xmlns:o="urn:schemas-microsoft-com:office:office" xmlns:dgm="http://schemas.openxmlformats.org/drawingml/2006/diagram" xmlns:c="http://schemas.openxmlformats.org/drawingml/2006/chart" xmlns:mv="urn:schemas-microsoft-com:mac:vml" xmlns:mc="http://schemas.openxmlformats.org/markup-compatibility/2006" xmlns="" r:id="rId40" roundtripDataSignature="AMtx7mjFyVUGRZWio+dc9dxzYsimUxNJbg=="/>
     </p:ext>
   </p:extLst>
 </p:presentation>
@@ -12555,6 +12556,94 @@
       </p:grpSpPr>
       <p:sp>
         <p:nvSpPr>
+          <p:cNvPr id="2" name="Title 1">
+            <a:extLst>
+              <a:ext uri="{FF2B5EF4-FFF2-40B4-BE49-F238E27FC236}">
+                <a16:creationId xmlns:a16="http://schemas.microsoft.com/office/drawing/2014/main" id="{72307ED4-D849-F645-A58F-A8960D2438E4}"/>
+              </a:ext>
+            </a:extLst>
+          </p:cNvPr>
+          <p:cNvSpPr>
+            <a:spLocks noGrp="1"/>
+          </p:cNvSpPr>
+          <p:nvPr>
+            <p:ph type="title"/>
+          </p:nvPr>
+        </p:nvSpPr>
+        <p:spPr>
+          <a:xfrm>
+            <a:off x="0" y="86563"/>
+            <a:ext cx="12080838" cy="763500"/>
+          </a:xfrm>
+        </p:spPr>
+        <p:txBody>
+          <a:bodyPr/>
+          <a:lstStyle/>
+          <a:p>
+            <a:r>
+              <a:rPr lang="en-US" dirty="0"/>
+              <a:t>How to communicate these metrics to policy audiences?</a:t>
+            </a:r>
+          </a:p>
+        </p:txBody>
+      </p:sp>
+      <p:sp>
+        <p:nvSpPr>
+          <p:cNvPr id="3" name="Text Placeholder 2">
+            <a:extLst>
+              <a:ext uri="{FF2B5EF4-FFF2-40B4-BE49-F238E27FC236}">
+                <a16:creationId xmlns:a16="http://schemas.microsoft.com/office/drawing/2014/main" id="{E334BC36-E089-C14E-8CE2-B77334884976}"/>
+              </a:ext>
+            </a:extLst>
+          </p:cNvPr>
+          <p:cNvSpPr>
+            <a:spLocks noGrp="1"/>
+          </p:cNvSpPr>
+          <p:nvPr>
+            <p:ph type="body" idx="1"/>
+          </p:nvPr>
+        </p:nvSpPr>
+        <p:spPr/>
+        <p:txBody>
+          <a:bodyPr/>
+          <a:lstStyle/>
+          <a:p>
+            <a:endParaRPr lang="en-US"/>
+          </a:p>
+        </p:txBody>
+      </p:sp>
+    </p:spTree>
+    <p:extLst>
+      <p:ext uri="{BB962C8B-B14F-4D97-AF65-F5344CB8AC3E}">
+        <p14:creationId xmlns:p14="http://schemas.microsoft.com/office/powerpoint/2010/main" val="899825671"/>
+      </p:ext>
+    </p:extLst>
+  </p:cSld>
+  <p:clrMapOvr>
+    <a:masterClrMapping/>
+  </p:clrMapOvr>
+</p:sld>
+</file>
+
+<file path=ppt/slides/slide15.xml><?xml version="1.0" encoding="utf-8"?>
+<p:sld xmlns:a="http://schemas.openxmlformats.org/drawingml/2006/main" xmlns:r="http://schemas.openxmlformats.org/officeDocument/2006/relationships" xmlns:p="http://schemas.openxmlformats.org/presentationml/2006/main">
+  <p:cSld>
+    <p:spTree>
+      <p:nvGrpSpPr>
+        <p:cNvPr id="1" name=""/>
+        <p:cNvGrpSpPr/>
+        <p:nvPr/>
+      </p:nvGrpSpPr>
+      <p:grpSpPr>
+        <a:xfrm>
+          <a:off x="0" y="0"/>
+          <a:ext cx="0" cy="0"/>
+          <a:chOff x="0" y="0"/>
+          <a:chExt cx="0" cy="0"/>
+        </a:xfrm>
+      </p:grpSpPr>
+      <p:sp>
+        <p:nvSpPr>
           <p:cNvPr id="3" name="Title 2">
             <a:extLst>
               <a:ext uri="{FF2B5EF4-FFF2-40B4-BE49-F238E27FC236}">
@@ -12740,7 +12829,7 @@
 </p:sld>
 </file>
 
-<file path=ppt/slides/slide15.xml><?xml version="1.0" encoding="utf-8"?>
+<file path=ppt/slides/slide16.xml><?xml version="1.0" encoding="utf-8"?>
 <p:sld xmlns:a="http://schemas.openxmlformats.org/drawingml/2006/main" xmlns:r="http://schemas.openxmlformats.org/officeDocument/2006/relationships" xmlns:p="http://schemas.openxmlformats.org/presentationml/2006/main">
   <p:cSld>
     <p:spTree>
@@ -13331,7 +13420,117 @@
 </p:sld>
 </file>
 
-<file path=ppt/slides/slide16.xml><?xml version="1.0" encoding="utf-8"?>
+<file path=ppt/slides/slide17.xml><?xml version="1.0" encoding="utf-8"?>
+<p:sld xmlns:a="http://schemas.openxmlformats.org/drawingml/2006/main" xmlns:r="http://schemas.openxmlformats.org/officeDocument/2006/relationships" xmlns:p="http://schemas.openxmlformats.org/presentationml/2006/main">
+  <p:cSld>
+    <p:spTree>
+      <p:nvGrpSpPr>
+        <p:cNvPr id="1" name=""/>
+        <p:cNvGrpSpPr/>
+        <p:nvPr/>
+      </p:nvGrpSpPr>
+      <p:grpSpPr>
+        <a:xfrm>
+          <a:off x="0" y="0"/>
+          <a:ext cx="0" cy="0"/>
+          <a:chOff x="0" y="0"/>
+          <a:chExt cx="0" cy="0"/>
+        </a:xfrm>
+      </p:grpSpPr>
+      <p:sp>
+        <p:nvSpPr>
+          <p:cNvPr id="5" name="Title 4">
+            <a:extLst>
+              <a:ext uri="{FF2B5EF4-FFF2-40B4-BE49-F238E27FC236}">
+                <a16:creationId xmlns:a16="http://schemas.microsoft.com/office/drawing/2014/main" id="{AE9DA0F8-2485-BE4C-9111-A0958BA77B02}"/>
+              </a:ext>
+            </a:extLst>
+          </p:cNvPr>
+          <p:cNvSpPr>
+            <a:spLocks noGrp="1"/>
+          </p:cNvSpPr>
+          <p:nvPr>
+            <p:ph type="title"/>
+          </p:nvPr>
+        </p:nvSpPr>
+        <p:spPr/>
+        <p:txBody>
+          <a:bodyPr/>
+          <a:lstStyle/>
+          <a:p>
+            <a:endParaRPr lang="en-US"/>
+          </a:p>
+        </p:txBody>
+      </p:sp>
+      <p:sp>
+        <p:nvSpPr>
+          <p:cNvPr id="6" name="Text Placeholder 5">
+            <a:extLst>
+              <a:ext uri="{FF2B5EF4-FFF2-40B4-BE49-F238E27FC236}">
+                <a16:creationId xmlns:a16="http://schemas.microsoft.com/office/drawing/2014/main" id="{7BF250CB-9CD3-AD47-AE7F-271FE605F27B}"/>
+              </a:ext>
+            </a:extLst>
+          </p:cNvPr>
+          <p:cNvSpPr>
+            <a:spLocks noGrp="1"/>
+          </p:cNvSpPr>
+          <p:nvPr>
+            <p:ph type="body" idx="1"/>
+          </p:nvPr>
+        </p:nvSpPr>
+        <p:spPr/>
+        <p:txBody>
+          <a:bodyPr/>
+          <a:lstStyle/>
+          <a:p>
+            <a:endParaRPr lang="en-US"/>
+          </a:p>
+        </p:txBody>
+      </p:sp>
+      <p:pic>
+        <p:nvPicPr>
+          <p:cNvPr id="4" name="Picture 3">
+            <a:extLst>
+              <a:ext uri="{FF2B5EF4-FFF2-40B4-BE49-F238E27FC236}">
+                <a16:creationId xmlns:a16="http://schemas.microsoft.com/office/drawing/2014/main" id="{697A9B93-EA7C-1349-8F1C-7AC1DDD12032}"/>
+              </a:ext>
+            </a:extLst>
+          </p:cNvPr>
+          <p:cNvPicPr>
+            <a:picLocks noChangeAspect="1"/>
+          </p:cNvPicPr>
+          <p:nvPr/>
+        </p:nvPicPr>
+        <p:blipFill>
+          <a:blip r:embed="rId2"/>
+          <a:stretch>
+            <a:fillRect/>
+          </a:stretch>
+        </p:blipFill>
+        <p:spPr>
+          <a:xfrm>
+            <a:off x="3444688" y="1353806"/>
+            <a:ext cx="5302624" cy="4899163"/>
+          </a:xfrm>
+          <a:prstGeom prst="rect">
+            <a:avLst/>
+          </a:prstGeom>
+        </p:spPr>
+      </p:pic>
+    </p:spTree>
+    <p:extLst>
+      <p:ext uri="{BB962C8B-B14F-4D97-AF65-F5344CB8AC3E}">
+        <p14:creationId xmlns:p14="http://schemas.microsoft.com/office/powerpoint/2010/main" val="2126937929"/>
+      </p:ext>
+    </p:extLst>
+  </p:cSld>
+  <p:clrMapOvr>
+    <a:masterClrMapping/>
+  </p:clrMapOvr>
+</p:sld>
+</file>
+
+<file path=ppt/slides/slide18.xml><?xml version="1.0" encoding="utf-8"?>
 <p:sld xmlns:a="http://schemas.openxmlformats.org/drawingml/2006/main" xmlns:r="http://schemas.openxmlformats.org/officeDocument/2006/relationships" xmlns:p="http://schemas.openxmlformats.org/presentationml/2006/main">
   <p:cSld>
     <p:spTree>
@@ -13581,7 +13780,7 @@
 </p:sld>
 </file>
 
-<file path=ppt/slides/slide17.xml><?xml version="1.0" encoding="utf-8"?>
+<file path=ppt/slides/slide19.xml><?xml version="1.0" encoding="utf-8"?>
 <p:sld xmlns:a="http://schemas.openxmlformats.org/drawingml/2006/main" xmlns:r="http://schemas.openxmlformats.org/officeDocument/2006/relationships" xmlns:p="http://schemas.openxmlformats.org/presentationml/2006/main">
   <p:cSld>
     <p:spTree>
@@ -13669,7 +13868,7 @@
 </p:sld>
 </file>
 
-<file path=ppt/slides/slide18.xml><?xml version="1.0" encoding="utf-8"?>
+<file path=ppt/slides/slide2.xml><?xml version="1.0" encoding="utf-8"?>
 <p:sld xmlns:a="http://schemas.openxmlformats.org/drawingml/2006/main" xmlns:r="http://schemas.openxmlformats.org/officeDocument/2006/relationships" xmlns:p="http://schemas.openxmlformats.org/presentationml/2006/main">
   <p:cSld>
     <p:spTree>
@@ -13688,10 +13887,10 @@
       </p:grpSpPr>
       <p:sp>
         <p:nvSpPr>
-          <p:cNvPr id="5" name="Title 4">
+          <p:cNvPr id="3" name="Title 2">
             <a:extLst>
               <a:ext uri="{FF2B5EF4-FFF2-40B4-BE49-F238E27FC236}">
-                <a16:creationId xmlns:a16="http://schemas.microsoft.com/office/drawing/2014/main" id="{AE9DA0F8-2485-BE4C-9111-A0958BA77B02}"/>
+                <a16:creationId xmlns:a16="http://schemas.microsoft.com/office/drawing/2014/main" id="{9323871C-7CA8-1448-8FFC-1AE6E1838941}"/>
               </a:ext>
             </a:extLst>
           </p:cNvPr>
@@ -13707,16 +13906,19 @@
           <a:bodyPr/>
           <a:lstStyle/>
           <a:p>
-            <a:endParaRPr lang="en-US"/>
+            <a:r>
+              <a:rPr lang="en-US" dirty="0"/>
+              <a:t>Reminders</a:t>
+            </a:r>
           </a:p>
         </p:txBody>
       </p:sp>
       <p:sp>
         <p:nvSpPr>
-          <p:cNvPr id="6" name="Text Placeholder 5">
+          <p:cNvPr id="5" name="Text Placeholder 4">
             <a:extLst>
               <a:ext uri="{FF2B5EF4-FFF2-40B4-BE49-F238E27FC236}">
-                <a16:creationId xmlns:a16="http://schemas.microsoft.com/office/drawing/2014/main" id="{7BF250CB-9CD3-AD47-AE7F-271FE605F27B}"/>
+                <a16:creationId xmlns:a16="http://schemas.microsoft.com/office/drawing/2014/main" id="{F4E0A5F0-1D89-954D-91FB-596CD9E690F2}"/>
               </a:ext>
             </a:extLst>
           </p:cNvPr>
@@ -13732,44 +13934,90 @@
           <a:bodyPr/>
           <a:lstStyle/>
           <a:p>
-            <a:endParaRPr lang="en-US"/>
+            <a:pPr marL="76200" indent="0">
+              <a:buNone/>
+            </a:pPr>
+            <a:r>
+              <a:rPr lang="en-US" b="1" dirty="0"/>
+              <a:t>This week:</a:t>
+            </a:r>
+            <a:endParaRPr lang="en-US" dirty="0"/>
+          </a:p>
+          <a:p>
+            <a:r>
+              <a:rPr lang="en-US" dirty="0"/>
+              <a:t>Project check-in on Wednesday</a:t>
+            </a:r>
+          </a:p>
+          <a:p>
+            <a:r>
+              <a:rPr lang="en-US" dirty="0"/>
+              <a:t>Temporal Validation “whiteboard” session Thursday</a:t>
+            </a:r>
+          </a:p>
+          <a:p>
+            <a:r>
+              <a:rPr lang="en-US" dirty="0"/>
+              <a:t>Project Assignment due on Friday – see template slides</a:t>
+            </a:r>
+          </a:p>
+          <a:p>
+            <a:r>
+              <a:rPr lang="en-US" dirty="0"/>
+              <a:t>Self &amp; peer contribution survey due Friday</a:t>
+            </a:r>
+          </a:p>
+          <a:p>
+            <a:pPr marL="76200" indent="0">
+              <a:buNone/>
+            </a:pPr>
+            <a:endParaRPr lang="en-US" dirty="0"/>
+          </a:p>
+          <a:p>
+            <a:pPr marL="76200" indent="0">
+              <a:buNone/>
+            </a:pPr>
+            <a:r>
+              <a:rPr lang="en-US" b="1" dirty="0"/>
+              <a:t>Coming up next week:</a:t>
+            </a:r>
+          </a:p>
+          <a:p>
+            <a:r>
+              <a:rPr lang="en-US" dirty="0"/>
+              <a:t>Reading for Tuesday</a:t>
+            </a:r>
+          </a:p>
+          <a:p>
+            <a:r>
+              <a:rPr lang="en-US" dirty="0"/>
+              <a:t>Next project assignment due following Monday (Oct 19)</a:t>
+            </a:r>
+          </a:p>
+          <a:p>
+            <a:pPr lvl="1">
+              <a:spcBef>
+                <a:spcPts val="0"/>
+              </a:spcBef>
+            </a:pPr>
+            <a:r>
+              <a:rPr lang="en-US" sz="2400" dirty="0"/>
+              <a:t>Modeling plan and feature list</a:t>
+            </a:r>
+            <a:endParaRPr lang="en-US" dirty="0"/>
+          </a:p>
+          <a:p>
+            <a:pPr marL="76200" indent="0">
+              <a:buNone/>
+            </a:pPr>
+            <a:endParaRPr lang="en-US" dirty="0"/>
           </a:p>
         </p:txBody>
       </p:sp>
-      <p:pic>
-        <p:nvPicPr>
-          <p:cNvPr id="4" name="Picture 3">
-            <a:extLst>
-              <a:ext uri="{FF2B5EF4-FFF2-40B4-BE49-F238E27FC236}">
-                <a16:creationId xmlns:a16="http://schemas.microsoft.com/office/drawing/2014/main" id="{697A9B93-EA7C-1349-8F1C-7AC1DDD12032}"/>
-              </a:ext>
-            </a:extLst>
-          </p:cNvPr>
-          <p:cNvPicPr>
-            <a:picLocks noChangeAspect="1"/>
-          </p:cNvPicPr>
-          <p:nvPr/>
-        </p:nvPicPr>
-        <p:blipFill>
-          <a:blip r:embed="rId2"/>
-          <a:stretch>
-            <a:fillRect/>
-          </a:stretch>
-        </p:blipFill>
-        <p:spPr>
-          <a:xfrm>
-            <a:off x="3444688" y="1353806"/>
-            <a:ext cx="5302624" cy="4899163"/>
-          </a:xfrm>
-          <a:prstGeom prst="rect">
-            <a:avLst/>
-          </a:prstGeom>
-        </p:spPr>
-      </p:pic>
     </p:spTree>
     <p:extLst>
       <p:ext uri="{BB962C8B-B14F-4D97-AF65-F5344CB8AC3E}">
-        <p14:creationId xmlns:p14="http://schemas.microsoft.com/office/powerpoint/2010/main" val="2126937929"/>
+        <p14:creationId xmlns:p14="http://schemas.microsoft.com/office/powerpoint/2010/main" val="186046226"/>
       </p:ext>
     </p:extLst>
   </p:cSld>
@@ -13779,7 +14027,7 @@
 </p:sld>
 </file>
 
-<file path=ppt/slides/slide19.xml><?xml version="1.0" encoding="utf-8"?>
+<file path=ppt/slides/slide20.xml><?xml version="1.0" encoding="utf-8"?>
 <p:sld xmlns:a="http://schemas.openxmlformats.org/drawingml/2006/main" xmlns:r="http://schemas.openxmlformats.org/officeDocument/2006/relationships" xmlns:p="http://schemas.openxmlformats.org/presentationml/2006/main">
   <p:cSld>
     <p:spTree>
@@ -13888,166 +14136,7 @@
 </p:sld>
 </file>
 
-<file path=ppt/slides/slide2.xml><?xml version="1.0" encoding="utf-8"?>
-<p:sld xmlns:a="http://schemas.openxmlformats.org/drawingml/2006/main" xmlns:r="http://schemas.openxmlformats.org/officeDocument/2006/relationships" xmlns:p="http://schemas.openxmlformats.org/presentationml/2006/main">
-  <p:cSld>
-    <p:spTree>
-      <p:nvGrpSpPr>
-        <p:cNvPr id="1" name=""/>
-        <p:cNvGrpSpPr/>
-        <p:nvPr/>
-      </p:nvGrpSpPr>
-      <p:grpSpPr>
-        <a:xfrm>
-          <a:off x="0" y="0"/>
-          <a:ext cx="0" cy="0"/>
-          <a:chOff x="0" y="0"/>
-          <a:chExt cx="0" cy="0"/>
-        </a:xfrm>
-      </p:grpSpPr>
-      <p:sp>
-        <p:nvSpPr>
-          <p:cNvPr id="3" name="Title 2">
-            <a:extLst>
-              <a:ext uri="{FF2B5EF4-FFF2-40B4-BE49-F238E27FC236}">
-                <a16:creationId xmlns:a16="http://schemas.microsoft.com/office/drawing/2014/main" id="{9323871C-7CA8-1448-8FFC-1AE6E1838941}"/>
-              </a:ext>
-            </a:extLst>
-          </p:cNvPr>
-          <p:cNvSpPr>
-            <a:spLocks noGrp="1"/>
-          </p:cNvSpPr>
-          <p:nvPr>
-            <p:ph type="title"/>
-          </p:nvPr>
-        </p:nvSpPr>
-        <p:spPr/>
-        <p:txBody>
-          <a:bodyPr/>
-          <a:lstStyle/>
-          <a:p>
-            <a:r>
-              <a:rPr lang="en-US" dirty="0"/>
-              <a:t>Reminders</a:t>
-            </a:r>
-          </a:p>
-        </p:txBody>
-      </p:sp>
-      <p:sp>
-        <p:nvSpPr>
-          <p:cNvPr id="5" name="Text Placeholder 4">
-            <a:extLst>
-              <a:ext uri="{FF2B5EF4-FFF2-40B4-BE49-F238E27FC236}">
-                <a16:creationId xmlns:a16="http://schemas.microsoft.com/office/drawing/2014/main" id="{F4E0A5F0-1D89-954D-91FB-596CD9E690F2}"/>
-              </a:ext>
-            </a:extLst>
-          </p:cNvPr>
-          <p:cNvSpPr>
-            <a:spLocks noGrp="1"/>
-          </p:cNvSpPr>
-          <p:nvPr>
-            <p:ph type="body" idx="1"/>
-          </p:nvPr>
-        </p:nvSpPr>
-        <p:spPr/>
-        <p:txBody>
-          <a:bodyPr/>
-          <a:lstStyle/>
-          <a:p>
-            <a:pPr marL="76200" indent="0">
-              <a:buNone/>
-            </a:pPr>
-            <a:r>
-              <a:rPr lang="en-US" b="1" dirty="0"/>
-              <a:t>This week:</a:t>
-            </a:r>
-            <a:endParaRPr lang="en-US" dirty="0"/>
-          </a:p>
-          <a:p>
-            <a:r>
-              <a:rPr lang="en-US" dirty="0"/>
-              <a:t>Project check-in on Wednesday</a:t>
-            </a:r>
-          </a:p>
-          <a:p>
-            <a:r>
-              <a:rPr lang="en-US" dirty="0"/>
-              <a:t>Temporal Validation “whiteboard” session Thursday</a:t>
-            </a:r>
-          </a:p>
-          <a:p>
-            <a:r>
-              <a:rPr lang="en-US" dirty="0"/>
-              <a:t>Project Assignment due on Friday – see template slides</a:t>
-            </a:r>
-          </a:p>
-          <a:p>
-            <a:r>
-              <a:rPr lang="en-US" dirty="0"/>
-              <a:t>Self &amp; peer contribution survey due Friday</a:t>
-            </a:r>
-          </a:p>
-          <a:p>
-            <a:pPr marL="76200" indent="0">
-              <a:buNone/>
-            </a:pPr>
-            <a:endParaRPr lang="en-US" dirty="0"/>
-          </a:p>
-          <a:p>
-            <a:pPr marL="76200" indent="0">
-              <a:buNone/>
-            </a:pPr>
-            <a:r>
-              <a:rPr lang="en-US" b="1" dirty="0"/>
-              <a:t>Coming up next week:</a:t>
-            </a:r>
-          </a:p>
-          <a:p>
-            <a:r>
-              <a:rPr lang="en-US" dirty="0"/>
-              <a:t>Reading for Tuesday</a:t>
-            </a:r>
-          </a:p>
-          <a:p>
-            <a:r>
-              <a:rPr lang="en-US" dirty="0"/>
-              <a:t>Next project assignment due following Monday (Oct 19)</a:t>
-            </a:r>
-          </a:p>
-          <a:p>
-            <a:pPr lvl="1">
-              <a:spcBef>
-                <a:spcPts val="0"/>
-              </a:spcBef>
-            </a:pPr>
-            <a:r>
-              <a:rPr lang="en-US" sz="2400" dirty="0"/>
-              <a:t>Modeling plan and feature list</a:t>
-            </a:r>
-            <a:endParaRPr lang="en-US" dirty="0"/>
-          </a:p>
-          <a:p>
-            <a:pPr marL="76200" indent="0">
-              <a:buNone/>
-            </a:pPr>
-            <a:endParaRPr lang="en-US" dirty="0"/>
-          </a:p>
-        </p:txBody>
-      </p:sp>
-    </p:spTree>
-    <p:extLst>
-      <p:ext uri="{BB962C8B-B14F-4D97-AF65-F5344CB8AC3E}">
-        <p14:creationId xmlns:p14="http://schemas.microsoft.com/office/powerpoint/2010/main" val="186046226"/>
-      </p:ext>
-    </p:extLst>
-  </p:cSld>
-  <p:clrMapOvr>
-    <a:masterClrMapping/>
-  </p:clrMapOvr>
-</p:sld>
-</file>
-
-<file path=ppt/slides/slide20.xml><?xml version="1.0" encoding="utf-8"?>
+<file path=ppt/slides/slide21.xml><?xml version="1.0" encoding="utf-8"?>
 <p:sld xmlns:a="http://schemas.openxmlformats.org/drawingml/2006/main" xmlns:r="http://schemas.openxmlformats.org/officeDocument/2006/relationships" xmlns:p="http://schemas.openxmlformats.org/presentationml/2006/main">
   <p:cSld>
     <p:spTree>
@@ -14133,7 +14222,7 @@
 </p:sld>
 </file>
 
-<file path=ppt/slides/slide21.xml><?xml version="1.0" encoding="utf-8"?>
+<file path=ppt/slides/slide22.xml><?xml version="1.0" encoding="utf-8"?>
 <p:sld xmlns:a="http://schemas.openxmlformats.org/drawingml/2006/main" xmlns:r="http://schemas.openxmlformats.org/officeDocument/2006/relationships" xmlns:p="http://schemas.openxmlformats.org/presentationml/2006/main">
   <p:cSld>
     <p:spTree>
@@ -14221,7 +14310,7 @@
 </p:sld>
 </file>
 
-<file path=ppt/slides/slide22.xml><?xml version="1.0" encoding="utf-8"?>
+<file path=ppt/slides/slide23.xml><?xml version="1.0" encoding="utf-8"?>
 <p:sld xmlns:a="http://schemas.openxmlformats.org/drawingml/2006/main" xmlns:r="http://schemas.openxmlformats.org/officeDocument/2006/relationships" xmlns:p="http://schemas.openxmlformats.org/presentationml/2006/main">
   <p:cSld>
     <p:spTree>
@@ -14371,7 +14460,7 @@
 </p:sld>
 </file>
 
-<file path=ppt/slides/slide23.xml><?xml version="1.0" encoding="utf-8"?>
+<file path=ppt/slides/slide24.xml><?xml version="1.0" encoding="utf-8"?>
 <p:sld xmlns:a="http://schemas.openxmlformats.org/drawingml/2006/main" xmlns:r="http://schemas.openxmlformats.org/officeDocument/2006/relationships" xmlns:p="http://schemas.openxmlformats.org/presentationml/2006/main">
   <p:cSld>
     <p:spTree>
@@ -14459,7 +14548,7 @@
 </p:sld>
 </file>
 
-<file path=ppt/slides/slide24.xml><?xml version="1.0" encoding="utf-8"?>
+<file path=ppt/slides/slide25.xml><?xml version="1.0" encoding="utf-8"?>
 <p:sld xmlns:a="http://schemas.openxmlformats.org/drawingml/2006/main" xmlns:r="http://schemas.openxmlformats.org/officeDocument/2006/relationships" xmlns:p="http://schemas.openxmlformats.org/presentationml/2006/main">
   <p:cSld>
     <p:spTree>
@@ -14617,7 +14706,7 @@
 </p:sld>
 </file>
 
-<file path=ppt/slides/slide25.xml><?xml version="1.0" encoding="utf-8"?>
+<file path=ppt/slides/slide26.xml><?xml version="1.0" encoding="utf-8"?>
 <p:sld xmlns:a="http://schemas.openxmlformats.org/drawingml/2006/main" xmlns:r="http://schemas.openxmlformats.org/officeDocument/2006/relationships" xmlns:p="http://schemas.openxmlformats.org/presentationml/2006/main">
   <p:cSld>
     <p:spTree>
@@ -14706,7 +14795,7 @@
 </p:sld>
 </file>
 
-<file path=ppt/slides/slide26.xml><?xml version="1.0" encoding="utf-8"?>
+<file path=ppt/slides/slide27.xml><?xml version="1.0" encoding="utf-8"?>
 <p:sld xmlns:a="http://schemas.openxmlformats.org/drawingml/2006/main" xmlns:r="http://schemas.openxmlformats.org/officeDocument/2006/relationships" xmlns:p="http://schemas.openxmlformats.org/presentationml/2006/main">
   <p:cSld>
     <p:spTree>

--- a/05 - Performance and Evaluation Pt 1/Model Selection and Validation - Part I.pptx
+++ b/05 - Performance and Evaluation Pt 1/Model Selection and Validation - Part I.pptx
@@ -5,7 +5,7 @@
     <p:sldMasterId id="2147483648" r:id="rId1"/>
   </p:sldMasterIdLst>
   <p:notesMasterIdLst>
-    <p:notesMasterId r:id="rId29"/>
+    <p:notesMasterId r:id="rId30"/>
   </p:notesMasterIdLst>
   <p:sldIdLst>
     <p:sldId id="256" r:id="rId2"/>
@@ -29,12 +29,13 @@
     <p:sldId id="430" r:id="rId20"/>
     <p:sldId id="460" r:id="rId21"/>
     <p:sldId id="420" r:id="rId22"/>
-    <p:sldId id="479" r:id="rId23"/>
-    <p:sldId id="481" r:id="rId24"/>
-    <p:sldId id="480" r:id="rId25"/>
-    <p:sldId id="482" r:id="rId26"/>
-    <p:sldId id="483" r:id="rId27"/>
-    <p:sldId id="477" r:id="rId28"/>
+    <p:sldId id="486" r:id="rId23"/>
+    <p:sldId id="479" r:id="rId24"/>
+    <p:sldId id="481" r:id="rId25"/>
+    <p:sldId id="480" r:id="rId26"/>
+    <p:sldId id="482" r:id="rId27"/>
+    <p:sldId id="483" r:id="rId28"/>
+    <p:sldId id="485" r:id="rId29"/>
   </p:sldIdLst>
   <p:sldSz cx="12192000" cy="6858000"/>
   <p:notesSz cx="6858000" cy="9144000"/>
@@ -272,7 +273,7 @@
       <p15:sldGuideLst xmlns:p15="http://schemas.microsoft.com/office/powerpoint/2012/main"/>
     </p:ext>
     <p:ext uri="http://customooxmlschemas.google.com/">
-      <go:slidesCustomData xmlns:go="http://customooxmlschemas.google.com/" xmlns:p15="http://schemas.microsoft.com/office/powerpoint/2012/main" xmlns:p14="http://schemas.microsoft.com/office/powerpoint/2010/main" xmlns:com="http://schemas.openxmlformats.org/drawingml/2006/compatibility" xmlns:pvml="urn:schemas-microsoft-com:office:powerpoint" xmlns:v="urn:schemas-microsoft-com:vml" xmlns:o="urn:schemas-microsoft-com:office:office" xmlns:dgm="http://schemas.openxmlformats.org/drawingml/2006/diagram" xmlns:c="http://schemas.openxmlformats.org/drawingml/2006/chart" xmlns:mv="urn:schemas-microsoft-com:mac:vml" xmlns:mc="http://schemas.openxmlformats.org/markup-compatibility/2006" xmlns="" r:id="rId40" roundtripDataSignature="AMtx7mjFyVUGRZWio+dc9dxzYsimUxNJbg=="/>
+      <go:slidesCustomData xmlns="" xmlns:mc="http://schemas.openxmlformats.org/markup-compatibility/2006" xmlns:mv="urn:schemas-microsoft-com:mac:vml" xmlns:c="http://schemas.openxmlformats.org/drawingml/2006/chart" xmlns:dgm="http://schemas.openxmlformats.org/drawingml/2006/diagram" xmlns:o="urn:schemas-microsoft-com:office:office" xmlns:v="urn:schemas-microsoft-com:vml" xmlns:pvml="urn:schemas-microsoft-com:office:powerpoint" xmlns:com="http://schemas.openxmlformats.org/drawingml/2006/compatibility" xmlns:p14="http://schemas.microsoft.com/office/powerpoint/2010/main" xmlns:p15="http://schemas.microsoft.com/office/powerpoint/2012/main" xmlns:go="http://customooxmlschemas.google.com/" r:id="rId40" roundtripDataSignature="AMtx7mjFyVUGRZWio+dc9dxzYsimUxNJbg=="/>
     </p:ext>
   </p:extLst>
 </p:presentation>
@@ -13946,25 +13947,19 @@
           <a:p>
             <a:r>
               <a:rPr lang="en-US" dirty="0"/>
-              <a:t>Project check-in on Wednesday</a:t>
+              <a:t>Wednesday: Python + SQL Session</a:t>
             </a:r>
           </a:p>
           <a:p>
             <a:r>
               <a:rPr lang="en-US" dirty="0"/>
-              <a:t>Temporal Validation “whiteboard” session Thursday</a:t>
+              <a:t>Thursday: Project Work Time (no class meeting)</a:t>
             </a:r>
           </a:p>
           <a:p>
             <a:r>
               <a:rPr lang="en-US" dirty="0"/>
-              <a:t>Project Assignment due on Friday – see template slides</a:t>
-            </a:r>
-          </a:p>
-          <a:p>
-            <a:r>
-              <a:rPr lang="en-US" dirty="0"/>
-              <a:t>Self &amp; peer contribution survey due Friday</a:t>
+              <a:t>Friday: Proposal Peer Evaluations Due (Email)</a:t>
             </a:r>
           </a:p>
           <a:p>
@@ -13991,26 +13986,20 @@
           <a:p>
             <a:r>
               <a:rPr lang="en-US" dirty="0"/>
-              <a:t>Next project assignment due following Monday (Oct 19)</a:t>
+              <a:t>Project check-in on Wednesday</a:t>
             </a:r>
           </a:p>
           <a:p>
-            <a:pPr lvl="1">
-              <a:spcBef>
-                <a:spcPts val="0"/>
-              </a:spcBef>
-            </a:pPr>
             <a:r>
-              <a:rPr lang="en-US" sz="2400" dirty="0"/>
-              <a:t>Modeling plan and feature list</a:t>
+              <a:rPr lang="en-US" dirty="0"/>
+              <a:t>Temporal Validation “whiteboard” session Thursday</a:t>
             </a:r>
-            <a:endParaRPr lang="en-US" dirty="0"/>
           </a:p>
           <a:p>
-            <a:pPr marL="76200" indent="0">
-              <a:buNone/>
-            </a:pPr>
-            <a:endParaRPr lang="en-US" dirty="0"/>
+            <a:r>
+              <a:rPr lang="en-US" dirty="0"/>
+              <a:t>Project Assignment due on Friday – we’ll post on Canvas</a:t>
+            </a:r>
           </a:p>
         </p:txBody>
       </p:sp>
@@ -14241,6 +14230,88 @@
       </p:grpSpPr>
       <p:sp>
         <p:nvSpPr>
+          <p:cNvPr id="3" name="Title 2"/>
+          <p:cNvSpPr>
+            <a:spLocks noGrp="1"/>
+          </p:cNvSpPr>
+          <p:nvPr>
+            <p:ph type="title"/>
+          </p:nvPr>
+        </p:nvSpPr>
+        <p:spPr/>
+        <p:txBody>
+          <a:bodyPr/>
+          <a:lstStyle/>
+          <a:p>
+            <a:r>
+              <a:rPr lang="en-US" dirty="0"/>
+              <a:t>Evaluation – triage configuration</a:t>
+            </a:r>
+          </a:p>
+        </p:txBody>
+      </p:sp>
+      <p:pic>
+        <p:nvPicPr>
+          <p:cNvPr id="6" name="Picture 5">
+            <a:extLst>
+              <a:ext uri="{FF2B5EF4-FFF2-40B4-BE49-F238E27FC236}">
+                <a16:creationId xmlns:a16="http://schemas.microsoft.com/office/drawing/2014/main" id="{A83F4BCD-53D2-7748-A243-56AA09E97E20}"/>
+              </a:ext>
+            </a:extLst>
+          </p:cNvPr>
+          <p:cNvPicPr>
+            <a:picLocks noChangeAspect="1"/>
+          </p:cNvPicPr>
+          <p:nvPr/>
+        </p:nvPicPr>
+        <p:blipFill>
+          <a:blip r:embed="rId2"/>
+          <a:stretch>
+            <a:fillRect/>
+          </a:stretch>
+        </p:blipFill>
+        <p:spPr>
+          <a:xfrm>
+            <a:off x="2487426" y="1161535"/>
+            <a:ext cx="7217147" cy="5609902"/>
+          </a:xfrm>
+          <a:prstGeom prst="rect">
+            <a:avLst/>
+          </a:prstGeom>
+        </p:spPr>
+      </p:pic>
+    </p:spTree>
+    <p:extLst>
+      <p:ext uri="{BB962C8B-B14F-4D97-AF65-F5344CB8AC3E}">
+        <p14:creationId xmlns:p14="http://schemas.microsoft.com/office/powerpoint/2010/main" val="533303348"/>
+      </p:ext>
+    </p:extLst>
+  </p:cSld>
+  <p:clrMapOvr>
+    <a:masterClrMapping/>
+  </p:clrMapOvr>
+</p:sld>
+</file>
+
+<file path=ppt/slides/slide23.xml><?xml version="1.0" encoding="utf-8"?>
+<p:sld xmlns:a="http://schemas.openxmlformats.org/drawingml/2006/main" xmlns:r="http://schemas.openxmlformats.org/officeDocument/2006/relationships" xmlns:p="http://schemas.openxmlformats.org/presentationml/2006/main">
+  <p:cSld>
+    <p:spTree>
+      <p:nvGrpSpPr>
+        <p:cNvPr id="1" name=""/>
+        <p:cNvGrpSpPr/>
+        <p:nvPr/>
+      </p:nvGrpSpPr>
+      <p:grpSpPr>
+        <a:xfrm>
+          <a:off x="0" y="0"/>
+          <a:ext cx="0" cy="0"/>
+          <a:chOff x="0" y="0"/>
+          <a:chExt cx="0" cy="0"/>
+        </a:xfrm>
+      </p:grpSpPr>
+      <p:sp>
+        <p:nvSpPr>
           <p:cNvPr id="3" name="Title 2">
             <a:extLst>
               <a:ext uri="{FF2B5EF4-FFF2-40B4-BE49-F238E27FC236}">
@@ -14310,7 +14381,7 @@
 </p:sld>
 </file>
 
-<file path=ppt/slides/slide23.xml><?xml version="1.0" encoding="utf-8"?>
+<file path=ppt/slides/slide24.xml><?xml version="1.0" encoding="utf-8"?>
 <p:sld xmlns:a="http://schemas.openxmlformats.org/drawingml/2006/main" xmlns:r="http://schemas.openxmlformats.org/officeDocument/2006/relationships" xmlns:p="http://schemas.openxmlformats.org/presentationml/2006/main">
   <p:cSld>
     <p:spTree>
@@ -14460,7 +14531,7 @@
 </p:sld>
 </file>
 
-<file path=ppt/slides/slide24.xml><?xml version="1.0" encoding="utf-8"?>
+<file path=ppt/slides/slide25.xml><?xml version="1.0" encoding="utf-8"?>
 <p:sld xmlns:a="http://schemas.openxmlformats.org/drawingml/2006/main" xmlns:r="http://schemas.openxmlformats.org/officeDocument/2006/relationships" xmlns:p="http://schemas.openxmlformats.org/presentationml/2006/main">
   <p:cSld>
     <p:spTree>
@@ -14548,7 +14619,7 @@
 </p:sld>
 </file>
 
-<file path=ppt/slides/slide25.xml><?xml version="1.0" encoding="utf-8"?>
+<file path=ppt/slides/slide26.xml><?xml version="1.0" encoding="utf-8"?>
 <p:sld xmlns:a="http://schemas.openxmlformats.org/drawingml/2006/main" xmlns:r="http://schemas.openxmlformats.org/officeDocument/2006/relationships" xmlns:p="http://schemas.openxmlformats.org/presentationml/2006/main">
   <p:cSld>
     <p:spTree>
@@ -14706,7 +14777,7 @@
 </p:sld>
 </file>
 
-<file path=ppt/slides/slide26.xml><?xml version="1.0" encoding="utf-8"?>
+<file path=ppt/slides/slide27.xml><?xml version="1.0" encoding="utf-8"?>
 <p:sld xmlns:a="http://schemas.openxmlformats.org/drawingml/2006/main" xmlns:r="http://schemas.openxmlformats.org/officeDocument/2006/relationships" xmlns:p="http://schemas.openxmlformats.org/presentationml/2006/main">
   <p:cSld>
     <p:spTree>
@@ -14795,7 +14866,7 @@
 </p:sld>
 </file>
 
-<file path=ppt/slides/slide27.xml><?xml version="1.0" encoding="utf-8"?>
+<file path=ppt/slides/slide28.xml><?xml version="1.0" encoding="utf-8"?>
 <p:sld xmlns:a="http://schemas.openxmlformats.org/drawingml/2006/main" xmlns:r="http://schemas.openxmlformats.org/officeDocument/2006/relationships" xmlns:p="http://schemas.openxmlformats.org/presentationml/2006/main">
   <p:cSld>
     <p:spTree>
@@ -14873,25 +14944,19 @@
           <a:p>
             <a:r>
               <a:rPr lang="en-US" dirty="0"/>
-              <a:t>Project check-in on Wednesday</a:t>
+              <a:t>Wednesday: Python + SQL Session</a:t>
             </a:r>
           </a:p>
           <a:p>
             <a:r>
               <a:rPr lang="en-US" dirty="0"/>
-              <a:t>Temporal Validation “whiteboard” session Thursday</a:t>
+              <a:t>Thursday: Project Work Time (no class meeting)</a:t>
             </a:r>
           </a:p>
           <a:p>
             <a:r>
               <a:rPr lang="en-US" dirty="0"/>
-              <a:t>Project Assignment due on Friday</a:t>
-            </a:r>
-          </a:p>
-          <a:p>
-            <a:r>
-              <a:rPr lang="en-US" dirty="0"/>
-              <a:t>Self &amp; peer contribution survey due Friday</a:t>
+              <a:t>Friday: Proposal Peer Evaluations Due (Email)</a:t>
             </a:r>
           </a:p>
           <a:p>
@@ -14918,33 +14983,27 @@
           <a:p>
             <a:r>
               <a:rPr lang="en-US" dirty="0"/>
-              <a:t>Next project assignment due following Monday (Oct 19)</a:t>
+              <a:t>Project check-in on Wednesday</a:t>
             </a:r>
           </a:p>
           <a:p>
-            <a:pPr lvl="1">
-              <a:spcBef>
-                <a:spcPts val="0"/>
-              </a:spcBef>
-            </a:pPr>
             <a:r>
-              <a:rPr lang="en-US" sz="2400" dirty="0"/>
-              <a:t>Modeling plan and feature list</a:t>
+              <a:rPr lang="en-US" dirty="0"/>
+              <a:t>Temporal Validation “whiteboard” session Thursday</a:t>
             </a:r>
-            <a:endParaRPr lang="en-US" dirty="0"/>
           </a:p>
           <a:p>
-            <a:pPr marL="76200" indent="0">
-              <a:buNone/>
-            </a:pPr>
-            <a:endParaRPr lang="en-US" dirty="0"/>
+            <a:r>
+              <a:rPr lang="en-US" dirty="0"/>
+              <a:t>Project Assignment due on Friday – we’ll post on Canvas</a:t>
+            </a:r>
           </a:p>
         </p:txBody>
       </p:sp>
     </p:spTree>
     <p:extLst>
       <p:ext uri="{BB962C8B-B14F-4D97-AF65-F5344CB8AC3E}">
-        <p14:creationId xmlns:p14="http://schemas.microsoft.com/office/powerpoint/2010/main" val="2656943805"/>
+        <p14:creationId xmlns:p14="http://schemas.microsoft.com/office/powerpoint/2010/main" val="755837075"/>
       </p:ext>
     </p:extLst>
   </p:cSld>
@@ -15029,14 +15088,14 @@
             <a:pPr lvl="1"/>
             <a:r>
               <a:rPr lang="en-US" dirty="0"/>
-              <a:t>Finalizing your analytical formulation and baselines to compare against</a:t>
+              <a:t>Your analytical formulation and baselines to compare against</a:t>
             </a:r>
           </a:p>
           <a:p>
             <a:pPr lvl="1"/>
             <a:r>
               <a:rPr lang="en-US" dirty="0"/>
-              <a:t>Validation strategy</a:t>
+              <a:t>Evaluation Metrics</a:t>
             </a:r>
           </a:p>
           <a:p>
@@ -15053,21 +15112,14 @@
             <a:pPr lvl="1"/>
             <a:r>
               <a:rPr lang="en-US" dirty="0"/>
-              <a:t>V0 of your ML pipeline</a:t>
+              <a:t>Exploring triage configuration and parameters</a:t>
             </a:r>
           </a:p>
           <a:p>
             <a:pPr lvl="1"/>
             <a:r>
               <a:rPr lang="en-US" dirty="0"/>
-              <a:t>1 cohort, 1 label, 1 feature from each data source, 1 train-test set, 1 model, 1 metric</a:t>
-            </a:r>
-          </a:p>
-          <a:p>
-            <a:pPr lvl="1"/>
-            <a:r>
-              <a:rPr lang="en-US" dirty="0"/>
-              <a:t>Submit code on git repo by this Friday along with project assignment</a:t>
+              <a:t>Cohort and label logic</a:t>
             </a:r>
           </a:p>
         </p:txBody>
